--- a/Ex_Files_Microsoft_PowerBI_Desktop/Powerpoint tutorials/Importing Data into Power BI with an R script.pptx
+++ b/Ex_Files_Microsoft_PowerBI_Desktop/Powerpoint tutorials/Importing Data into Power BI with an R script.pptx
@@ -111,6 +111,11 @@
       </a:defRPr>
     </a:lvl9pPr>
   </p:defaultTextStyle>
+  <p:extLst>
+    <p:ext uri="{EFAFB233-063F-42B5-8137-9DF3F51BA10A}">
+      <p15:sldGuideLst xmlns:p15="http://schemas.microsoft.com/office/powerpoint/2012/main"/>
+    </p:ext>
+  </p:extLst>
 </p:presentation>
 </file>
 
@@ -283,7 +288,7 @@
           <a:p>
             <a:fld id="{E3A2FB21-32E2-47A6-B615-A85FD8BC1196}" type="datetimeFigureOut">
               <a:rPr lang="en-ZA" smtClean="0"/>
-              <a:t>2020/02/22</a:t>
+              <a:t>2020/02/24</a:t>
             </a:fld>
             <a:endParaRPr lang="en-ZA"/>
           </a:p>
@@ -613,7 +618,7 @@
           <a:p>
             <a:fld id="{E3A2FB21-32E2-47A6-B615-A85FD8BC1196}" type="datetimeFigureOut">
               <a:rPr lang="en-ZA" smtClean="0"/>
-              <a:t>2020/02/22</a:t>
+              <a:t>2020/02/24</a:t>
             </a:fld>
             <a:endParaRPr lang="en-ZA"/>
           </a:p>
@@ -793,7 +798,7 @@
           <a:p>
             <a:fld id="{E3A2FB21-32E2-47A6-B615-A85FD8BC1196}" type="datetimeFigureOut">
               <a:rPr lang="en-ZA" smtClean="0"/>
-              <a:t>2020/02/22</a:t>
+              <a:t>2020/02/24</a:t>
             </a:fld>
             <a:endParaRPr lang="en-ZA"/>
           </a:p>
@@ -963,7 +968,7 @@
           <a:p>
             <a:fld id="{E3A2FB21-32E2-47A6-B615-A85FD8BC1196}" type="datetimeFigureOut">
               <a:rPr lang="en-ZA" smtClean="0"/>
-              <a:t>2020/02/22</a:t>
+              <a:t>2020/02/24</a:t>
             </a:fld>
             <a:endParaRPr lang="en-ZA"/>
           </a:p>
@@ -1240,7 +1245,7 @@
           <a:p>
             <a:fld id="{E3A2FB21-32E2-47A6-B615-A85FD8BC1196}" type="datetimeFigureOut">
               <a:rPr lang="en-ZA" smtClean="0"/>
-              <a:t>2020/02/22</a:t>
+              <a:t>2020/02/24</a:t>
             </a:fld>
             <a:endParaRPr lang="en-ZA"/>
           </a:p>
@@ -1634,7 +1639,7 @@
           <a:p>
             <a:fld id="{E3A2FB21-32E2-47A6-B615-A85FD8BC1196}" type="datetimeFigureOut">
               <a:rPr lang="en-ZA" smtClean="0"/>
-              <a:t>2020/02/22</a:t>
+              <a:t>2020/02/24</a:t>
             </a:fld>
             <a:endParaRPr lang="en-ZA"/>
           </a:p>
@@ -2111,7 +2116,7 @@
           <a:p>
             <a:fld id="{E3A2FB21-32E2-47A6-B615-A85FD8BC1196}" type="datetimeFigureOut">
               <a:rPr lang="en-ZA" smtClean="0"/>
-              <a:t>2020/02/22</a:t>
+              <a:t>2020/02/24</a:t>
             </a:fld>
             <a:endParaRPr lang="en-ZA"/>
           </a:p>
@@ -2229,7 +2234,7 @@
           <a:p>
             <a:fld id="{E3A2FB21-32E2-47A6-B615-A85FD8BC1196}" type="datetimeFigureOut">
               <a:rPr lang="en-ZA" smtClean="0"/>
-              <a:t>2020/02/22</a:t>
+              <a:t>2020/02/24</a:t>
             </a:fld>
             <a:endParaRPr lang="en-ZA"/>
           </a:p>
@@ -2324,7 +2329,7 @@
           <a:p>
             <a:fld id="{E3A2FB21-32E2-47A6-B615-A85FD8BC1196}" type="datetimeFigureOut">
               <a:rPr lang="en-ZA" smtClean="0"/>
-              <a:t>2020/02/22</a:t>
+              <a:t>2020/02/24</a:t>
             </a:fld>
             <a:endParaRPr lang="en-ZA"/>
           </a:p>
@@ -2670,7 +2675,7 @@
           <a:p>
             <a:fld id="{E3A2FB21-32E2-47A6-B615-A85FD8BC1196}" type="datetimeFigureOut">
               <a:rPr lang="en-ZA" smtClean="0"/>
-              <a:t>2020/02/22</a:t>
+              <a:t>2020/02/24</a:t>
             </a:fld>
             <a:endParaRPr lang="en-ZA"/>
           </a:p>
@@ -3058,7 +3063,7 @@
           <a:p>
             <a:fld id="{E3A2FB21-32E2-47A6-B615-A85FD8BC1196}" type="datetimeFigureOut">
               <a:rPr lang="en-ZA" smtClean="0"/>
-              <a:t>2020/02/22</a:t>
+              <a:t>2020/02/24</a:t>
             </a:fld>
             <a:endParaRPr lang="en-ZA"/>
           </a:p>
@@ -3336,7 +3341,7 @@
           <a:p>
             <a:fld id="{E3A2FB21-32E2-47A6-B615-A85FD8BC1196}" type="datetimeFigureOut">
               <a:rPr lang="en-ZA" smtClean="0"/>
-              <a:t>2020/02/22</a:t>
+              <a:t>2020/02/24</a:t>
             </a:fld>
             <a:endParaRPr lang="en-ZA"/>
           </a:p>
@@ -4140,6 +4145,52 @@
           </a:prstGeom>
         </p:spPr>
       </p:pic>
+      <p:sp>
+        <p:nvSpPr>
+          <p:cNvPr id="11" name="Arrow: Right 10">
+            <a:extLst>
+              <a:ext uri="{FF2B5EF4-FFF2-40B4-BE49-F238E27FC236}">
+                <a16:creationId xmlns:a16="http://schemas.microsoft.com/office/drawing/2014/main" id="{359CB1F0-DE3B-43FC-B657-16399B3A54D7}"/>
+              </a:ext>
+            </a:extLst>
+          </p:cNvPr>
+          <p:cNvSpPr/>
+          <p:nvPr/>
+        </p:nvSpPr>
+        <p:spPr>
+          <a:xfrm rot="10800000">
+            <a:off x="4359965" y="4903304"/>
+            <a:ext cx="2729948" cy="964096"/>
+          </a:xfrm>
+          <a:prstGeom prst="rightArrow">
+            <a:avLst/>
+          </a:prstGeom>
+        </p:spPr>
+        <p:style>
+          <a:lnRef idx="2">
+            <a:schemeClr val="accent1">
+              <a:shade val="50000"/>
+            </a:schemeClr>
+          </a:lnRef>
+          <a:fillRef idx="1">
+            <a:schemeClr val="accent1"/>
+          </a:fillRef>
+          <a:effectRef idx="0">
+            <a:schemeClr val="accent1"/>
+          </a:effectRef>
+          <a:fontRef idx="minor">
+            <a:schemeClr val="lt1"/>
+          </a:fontRef>
+        </p:style>
+        <p:txBody>
+          <a:bodyPr rtlCol="0" anchor="ctr"/>
+          <a:lstStyle/>
+          <a:p>
+            <a:pPr algn="ctr"/>
+            <a:endParaRPr lang="en-ZA"/>
+          </a:p>
+        </p:txBody>
+      </p:sp>
     </p:spTree>
     <p:extLst>
       <p:ext uri="{BB962C8B-B14F-4D97-AF65-F5344CB8AC3E}">
@@ -4794,7 +4845,7 @@
         </p:blipFill>
         <p:spPr>
           <a:xfrm>
-            <a:off x="2555394" y="800100"/>
+            <a:off x="2568646" y="813352"/>
             <a:ext cx="7081213" cy="5257801"/>
           </a:xfrm>
           <a:prstGeom prst="rect">
@@ -4802,6 +4853,52 @@
           </a:prstGeom>
         </p:spPr>
       </p:pic>
+      <p:sp>
+        <p:nvSpPr>
+          <p:cNvPr id="2" name="Arrow: Right 1">
+            <a:extLst>
+              <a:ext uri="{FF2B5EF4-FFF2-40B4-BE49-F238E27FC236}">
+                <a16:creationId xmlns:a16="http://schemas.microsoft.com/office/drawing/2014/main" id="{89455355-5CDB-4547-AB49-E96C73727508}"/>
+              </a:ext>
+            </a:extLst>
+          </p:cNvPr>
+          <p:cNvSpPr/>
+          <p:nvPr/>
+        </p:nvSpPr>
+        <p:spPr>
+          <a:xfrm>
+            <a:off x="5658678" y="5579165"/>
+            <a:ext cx="1722783" cy="478735"/>
+          </a:xfrm>
+          <a:prstGeom prst="rightArrow">
+            <a:avLst/>
+          </a:prstGeom>
+        </p:spPr>
+        <p:style>
+          <a:lnRef idx="2">
+            <a:schemeClr val="accent1">
+              <a:shade val="50000"/>
+            </a:schemeClr>
+          </a:lnRef>
+          <a:fillRef idx="1">
+            <a:schemeClr val="accent1"/>
+          </a:fillRef>
+          <a:effectRef idx="0">
+            <a:schemeClr val="accent1"/>
+          </a:effectRef>
+          <a:fontRef idx="minor">
+            <a:schemeClr val="lt1"/>
+          </a:fontRef>
+        </p:style>
+        <p:txBody>
+          <a:bodyPr rtlCol="0" anchor="ctr"/>
+          <a:lstStyle/>
+          <a:p>
+            <a:pPr algn="ctr"/>
+            <a:endParaRPr lang="en-ZA"/>
+          </a:p>
+        </p:txBody>
+      </p:sp>
     </p:spTree>
     <p:extLst>
       <p:ext uri="{BB962C8B-B14F-4D97-AF65-F5344CB8AC3E}">
@@ -4952,10 +5049,10 @@
       </p:grpSpPr>
       <p:grpSp>
         <p:nvGrpSpPr>
-          <p:cNvPr id="22" name="Group 21">
+          <p:cNvPr id="35" name="Group 34">
             <a:extLst>
               <a:ext uri="{FF2B5EF4-FFF2-40B4-BE49-F238E27FC236}">
-                <a16:creationId xmlns:a16="http://schemas.microsoft.com/office/drawing/2014/main" id="{9D9D6BF1-DFF2-4526-9D13-BF339D8C4163}"/>
+                <a16:creationId xmlns:a16="http://schemas.microsoft.com/office/drawing/2014/main" id="{449BC34D-9C23-4D6D-8213-1F471AF85B3F}"/>
               </a:ext>
               <a:ext uri="{C183D7F6-B498-43B3-948B-1728B52AA6E4}">
                 <adec:decorative xmlns:adec="http://schemas.microsoft.com/office/drawing/2017/decorative" val="1"/>
@@ -4983,10 +5080,10 @@
         </p:grpSpPr>
         <p:sp>
           <p:nvSpPr>
-            <p:cNvPr id="23" name="Freeform 6">
+            <p:cNvPr id="36" name="Freeform 6">
               <a:extLst>
                 <a:ext uri="{FF2B5EF4-FFF2-40B4-BE49-F238E27FC236}">
-                  <a16:creationId xmlns:a16="http://schemas.microsoft.com/office/drawing/2014/main" id="{A54D4DB6-FB18-4CAE-8905-E0053C92569E}"/>
+                  <a16:creationId xmlns:a16="http://schemas.microsoft.com/office/drawing/2014/main" id="{FA0F5D6C-5025-4D7E-82DD-C2C6FDA1E759}"/>
                 </a:ext>
                 <a:ext uri="{C183D7F6-B498-43B3-948B-1728B52AA6E4}">
                   <adec:decorative xmlns:adec="http://schemas.microsoft.com/office/drawing/2017/decorative" val="1"/>
@@ -5054,10 +5151,10 @@
         </p:sp>
         <p:sp>
           <p:nvSpPr>
-            <p:cNvPr id="24" name="Freeform 6">
+            <p:cNvPr id="37" name="Freeform 6">
               <a:extLst>
                 <a:ext uri="{FF2B5EF4-FFF2-40B4-BE49-F238E27FC236}">
-                  <a16:creationId xmlns:a16="http://schemas.microsoft.com/office/drawing/2014/main" id="{1DBD6488-9429-4FFA-8AE8-C4022C39B0F2}"/>
+                  <a16:creationId xmlns:a16="http://schemas.microsoft.com/office/drawing/2014/main" id="{E2AF2C17-4AB4-4402-B84B-129EF95D161C}"/>
                 </a:ext>
                 <a:ext uri="{C183D7F6-B498-43B3-948B-1728B52AA6E4}">
                   <adec:decorative xmlns:adec="http://schemas.microsoft.com/office/drawing/2017/decorative" val="1"/>
@@ -5128,10 +5225,10 @@
       </p:grpSp>
       <p:sp useBgFill="1">
         <p:nvSpPr>
-          <p:cNvPr id="26" name="Rectangle 25">
+          <p:cNvPr id="39" name="Rectangle 38">
             <a:extLst>
               <a:ext uri="{FF2B5EF4-FFF2-40B4-BE49-F238E27FC236}">
-                <a16:creationId xmlns:a16="http://schemas.microsoft.com/office/drawing/2014/main" id="{7BB74091-09FE-44AF-8325-7FE6E175F727}"/>
+                <a16:creationId xmlns:a16="http://schemas.microsoft.com/office/drawing/2014/main" id="{1F9A0C1C-8ABC-401B-8FE9-AC9327C4C587}"/>
               </a:ext>
               <a:ext uri="{C183D7F6-B498-43B3-948B-1728B52AA6E4}">
                 <adec:decorative xmlns:adec="http://schemas.microsoft.com/office/drawing/2017/decorative" val="1"/>
@@ -5167,8 +5264,8 @@
               <a:shade val="50000"/>
             </a:schemeClr>
           </a:lnRef>
-          <a:fillRef idx="1">
-            <a:schemeClr val="accent1"/>
+          <a:fillRef idx="1001">
+            <a:schemeClr val="lt2"/>
           </a:fillRef>
           <a:effectRef idx="0">
             <a:schemeClr val="accent1"/>
@@ -5204,8 +5301,8 @@
         </p:nvSpPr>
         <p:spPr>
           <a:xfrm>
-            <a:off x="752858" y="4736961"/>
-            <a:ext cx="10720685" cy="936769"/>
+            <a:off x="8154186" y="634028"/>
+            <a:ext cx="3355942" cy="3732835"/>
           </a:xfrm>
         </p:spPr>
         <p:txBody>
@@ -5216,49 +5313,18 @@
           <a:p>
             <a:pPr algn="ctr"/>
             <a:r>
-              <a:rPr lang="en-US" sz="4800" cap="all"/>
+              <a:rPr lang="en-US" sz="4200" cap="all"/>
               <a:t>Creating a Dashboard </a:t>
             </a:r>
           </a:p>
         </p:txBody>
       </p:sp>
-      <p:pic>
-        <p:nvPicPr>
-          <p:cNvPr id="4" name="Content Placeholder 3">
+      <p:sp>
+        <p:nvSpPr>
+          <p:cNvPr id="41" name="Freeform 6">
             <a:extLst>
               <a:ext uri="{FF2B5EF4-FFF2-40B4-BE49-F238E27FC236}">
-                <a16:creationId xmlns:a16="http://schemas.microsoft.com/office/drawing/2014/main" id="{4DE821E3-5979-4945-B343-325B3DFEBC2E}"/>
-              </a:ext>
-            </a:extLst>
-          </p:cNvPr>
-          <p:cNvPicPr>
-            <a:picLocks noGrp="1" noChangeAspect="1"/>
-          </p:cNvPicPr>
-          <p:nvPr>
-            <p:ph idx="1"/>
-          </p:nvPr>
-        </p:nvPicPr>
-        <p:blipFill rotWithShape="1">
-          <a:blip r:embed="rId2"/>
-          <a:srcRect b="11941"/>
-          <a:stretch/>
-        </p:blipFill>
-        <p:spPr>
-          <a:xfrm>
-            <a:off x="20" y="10"/>
-            <a:ext cx="12191980" cy="4187119"/>
-          </a:xfrm>
-          <a:prstGeom prst="rect">
-            <a:avLst/>
-          </a:prstGeom>
-        </p:spPr>
-      </p:pic>
-      <p:sp>
-        <p:nvSpPr>
-          <p:cNvPr id="28" name="Freeform: Shape 27">
-            <a:extLst>
-              <a:ext uri="{FF2B5EF4-FFF2-40B4-BE49-F238E27FC236}">
-                <a16:creationId xmlns:a16="http://schemas.microsoft.com/office/drawing/2014/main" id="{0F30CCEB-94C4-4F72-BA5A-9CEA853022DA}"/>
+                <a16:creationId xmlns:a16="http://schemas.microsoft.com/office/drawing/2014/main" id="{BA5783C3-2F96-40A7-A24F-30CB07AA3928}"/>
               </a:ext>
               <a:ext uri="{C183D7F6-B498-43B3-948B-1728B52AA6E4}">
                 <adec:decorative xmlns:adec="http://schemas.microsoft.com/office/drawing/2017/decorative" val="1"/>
@@ -5278,77 +5344,46 @@
         </p:nvSpPr>
         <p:spPr bwMode="auto">
           <a:xfrm flipH="1" flipV="1">
-            <a:off x="434936" y="4446551"/>
-            <a:ext cx="1957171" cy="1103687"/>
+            <a:off x="649163" y="634028"/>
+            <a:ext cx="3275668" cy="4408488"/>
           </a:xfrm>
           <a:custGeom>
             <a:avLst/>
-            <a:gdLst>
-              <a:gd name="connsiteX0" fmla="*/ 2017702 w 2017702"/>
-              <a:gd name="connsiteY0" fmla="*/ 1137821 h 1137821"/>
-              <a:gd name="connsiteX1" fmla="*/ 404 w 2017702"/>
-              <a:gd name="connsiteY1" fmla="*/ 1137821 h 1137821"/>
-              <a:gd name="connsiteX2" fmla="*/ 0 w 2017702"/>
-              <a:gd name="connsiteY2" fmla="*/ 900216 h 1137821"/>
-              <a:gd name="connsiteX3" fmla="*/ 1767759 w 2017702"/>
-              <a:gd name="connsiteY3" fmla="*/ 901031 h 1137821"/>
-              <a:gd name="connsiteX4" fmla="*/ 1767759 w 2017702"/>
-              <a:gd name="connsiteY4" fmla="*/ 0 h 1137821"/>
-              <a:gd name="connsiteX5" fmla="*/ 2017702 w 2017702"/>
-              <a:gd name="connsiteY5" fmla="*/ 0 h 1137821"/>
-            </a:gdLst>
+            <a:gdLst/>
             <a:ahLst/>
-            <a:cxnLst>
-              <a:cxn ang="0">
-                <a:pos x="connsiteX0" y="connsiteY0"/>
-              </a:cxn>
-              <a:cxn ang="0">
-                <a:pos x="connsiteX1" y="connsiteY1"/>
-              </a:cxn>
-              <a:cxn ang="0">
-                <a:pos x="connsiteX2" y="connsiteY2"/>
-              </a:cxn>
-              <a:cxn ang="0">
-                <a:pos x="connsiteX3" y="connsiteY3"/>
-              </a:cxn>
-              <a:cxn ang="0">
-                <a:pos x="connsiteX4" y="connsiteY4"/>
-              </a:cxn>
-              <a:cxn ang="0">
-                <a:pos x="connsiteX5" y="connsiteY5"/>
-              </a:cxn>
-            </a:cxnLst>
+            <a:cxnLst/>
             <a:rect l="l" t="t" r="r" b="b"/>
             <a:pathLst>
-              <a:path w="2017702" h="1137821">
+              <a:path w="10002" h="10000">
                 <a:moveTo>
-                  <a:pt x="2017702" y="1137821"/>
+                  <a:pt x="8763" y="0"/>
                 </a:moveTo>
                 <a:lnTo>
-                  <a:pt x="404" y="1137821"/>
+                  <a:pt x="10002" y="0"/>
+                </a:lnTo>
+                <a:lnTo>
+                  <a:pt x="10002" y="10000"/>
+                </a:lnTo>
+                <a:lnTo>
+                  <a:pt x="2" y="10000"/>
                 </a:lnTo>
                 <a:cubicBezTo>
-                  <a:pt x="-404" y="1055814"/>
-                  <a:pt x="807" y="982224"/>
-                  <a:pt x="0" y="900216"/>
+                  <a:pt x="-2" y="9698"/>
+                  <a:pt x="4" y="9427"/>
+                  <a:pt x="0" y="9125"/>
                 </a:cubicBezTo>
                 <a:lnTo>
-                  <a:pt x="1767759" y="901031"/>
+                  <a:pt x="8763" y="9128"/>
                 </a:lnTo>
                 <a:lnTo>
-                  <a:pt x="1767759" y="0"/>
-                </a:lnTo>
-                <a:lnTo>
-                  <a:pt x="2017702" y="0"/>
+                  <a:pt x="8763" y="0"/>
                 </a:lnTo>
                 <a:close/>
               </a:path>
             </a:pathLst>
           </a:custGeom>
           <a:solidFill>
-            <a:schemeClr val="tx2">
-              <a:alpha val="80000"/>
-            </a:schemeClr>
+            <a:schemeClr val="tx2"/>
           </a:solidFill>
           <a:ln w="0">
             <a:noFill/>
@@ -5361,10 +5396,10 @@
       </p:sp>
       <p:sp>
         <p:nvSpPr>
-          <p:cNvPr id="30" name="Freeform: Shape 29">
+          <p:cNvPr id="43" name="Freeform 6">
             <a:extLst>
               <a:ext uri="{FF2B5EF4-FFF2-40B4-BE49-F238E27FC236}">
-                <a16:creationId xmlns:a16="http://schemas.microsoft.com/office/drawing/2014/main" id="{0DE1A94F-CC8B-4954-97A7-ADD4F300D647}"/>
+                <a16:creationId xmlns:a16="http://schemas.microsoft.com/office/drawing/2014/main" id="{A9D08DBA-0326-4C4E-ACFB-576F3ABDD2D0}"/>
               </a:ext>
               <a:ext uri="{C183D7F6-B498-43B3-948B-1728B52AA6E4}">
                 <adec:decorative xmlns:adec="http://schemas.microsoft.com/office/drawing/2017/decorative" val="1"/>
@@ -5384,77 +5419,44 @@
         </p:nvSpPr>
         <p:spPr bwMode="auto">
           <a:xfrm>
-            <a:off x="9796837" y="5311230"/>
-            <a:ext cx="2042265" cy="1213486"/>
+            <a:off x="4494670" y="2016617"/>
+            <a:ext cx="3275013" cy="4408488"/>
           </a:xfrm>
           <a:custGeom>
             <a:avLst/>
-            <a:gdLst>
-              <a:gd name="connsiteX0" fmla="*/ 1844618 w 2105428"/>
-              <a:gd name="connsiteY0" fmla="*/ 0 h 1251016"/>
-              <a:gd name="connsiteX1" fmla="*/ 2105428 w 2105428"/>
-              <a:gd name="connsiteY1" fmla="*/ 0 h 1251016"/>
-              <a:gd name="connsiteX2" fmla="*/ 2105428 w 2105428"/>
-              <a:gd name="connsiteY2" fmla="*/ 1251016 h 1251016"/>
-              <a:gd name="connsiteX3" fmla="*/ 421 w 2105428"/>
-              <a:gd name="connsiteY3" fmla="*/ 1251016 h 1251016"/>
-              <a:gd name="connsiteX4" fmla="*/ 0 w 2105428"/>
-              <a:gd name="connsiteY4" fmla="*/ 1003081 h 1251016"/>
-              <a:gd name="connsiteX5" fmla="*/ 1844618 w 2105428"/>
-              <a:gd name="connsiteY5" fmla="*/ 1003931 h 1251016"/>
-            </a:gdLst>
+            <a:gdLst/>
             <a:ahLst/>
-            <a:cxnLst>
-              <a:cxn ang="0">
-                <a:pos x="connsiteX0" y="connsiteY0"/>
-              </a:cxn>
-              <a:cxn ang="0">
-                <a:pos x="connsiteX1" y="connsiteY1"/>
-              </a:cxn>
-              <a:cxn ang="0">
-                <a:pos x="connsiteX2" y="connsiteY2"/>
-              </a:cxn>
-              <a:cxn ang="0">
-                <a:pos x="connsiteX3" y="connsiteY3"/>
-              </a:cxn>
-              <a:cxn ang="0">
-                <a:pos x="connsiteX4" y="connsiteY4"/>
-              </a:cxn>
-              <a:cxn ang="0">
-                <a:pos x="connsiteX5" y="connsiteY5"/>
-              </a:cxn>
-            </a:cxnLst>
+            <a:cxnLst/>
             <a:rect l="l" t="t" r="r" b="b"/>
             <a:pathLst>
-              <a:path w="2105428" h="1251016">
+              <a:path w="10000" h="10000">
                 <a:moveTo>
-                  <a:pt x="1844618" y="0"/>
+                  <a:pt x="8761" y="0"/>
                 </a:moveTo>
                 <a:lnTo>
-                  <a:pt x="2105428" y="0"/>
+                  <a:pt x="10000" y="0"/>
                 </a:lnTo>
                 <a:lnTo>
-                  <a:pt x="2105428" y="1251016"/>
+                  <a:pt x="10000" y="10000"/>
                 </a:lnTo>
                 <a:lnTo>
-                  <a:pt x="421" y="1251016"/>
+                  <a:pt x="0" y="10000"/>
                 </a:lnTo>
-                <a:cubicBezTo>
-                  <a:pt x="-421" y="1165443"/>
-                  <a:pt x="842" y="1088654"/>
-                  <a:pt x="0" y="1003081"/>
-                </a:cubicBezTo>
                 <a:lnTo>
-                  <a:pt x="1844618" y="1003931"/>
+                  <a:pt x="0" y="9126"/>
+                </a:lnTo>
+                <a:lnTo>
+                  <a:pt x="8761" y="9127"/>
+                </a:lnTo>
+                <a:lnTo>
+                  <a:pt x="8761" y="0"/>
                 </a:lnTo>
                 <a:close/>
               </a:path>
             </a:pathLst>
           </a:custGeom>
           <a:solidFill>
-            <a:schemeClr val="tx2">
-              <a:alpha val="80000"/>
-            </a:schemeClr>
+            <a:schemeClr val="tx2"/>
           </a:solidFill>
           <a:ln w="0">
             <a:noFill/>
@@ -5465,6 +5467,38 @@
           </a:ln>
         </p:spPr>
       </p:sp>
+      <p:pic>
+        <p:nvPicPr>
+          <p:cNvPr id="6" name="Content Placeholder 5">
+            <a:extLst>
+              <a:ext uri="{FF2B5EF4-FFF2-40B4-BE49-F238E27FC236}">
+                <a16:creationId xmlns:a16="http://schemas.microsoft.com/office/drawing/2014/main" id="{8B296A8E-55FE-4BBF-8CC7-857A258982F0}"/>
+              </a:ext>
+            </a:extLst>
+          </p:cNvPr>
+          <p:cNvPicPr>
+            <a:picLocks noGrp="1" noChangeAspect="1"/>
+          </p:cNvPicPr>
+          <p:nvPr>
+            <p:ph idx="1"/>
+          </p:nvPr>
+        </p:nvPicPr>
+        <p:blipFill>
+          <a:blip r:embed="rId2"/>
+          <a:stretch>
+            <a:fillRect/>
+          </a:stretch>
+        </p:blipFill>
+        <p:spPr>
+          <a:xfrm>
+            <a:off x="1139484" y="1209822"/>
+            <a:ext cx="6091310" cy="4687604"/>
+          </a:xfrm>
+          <a:prstGeom prst="rect">
+            <a:avLst/>
+          </a:prstGeom>
+        </p:spPr>
+      </p:pic>
     </p:spTree>
     <p:extLst>
       <p:ext uri="{BB962C8B-B14F-4D97-AF65-F5344CB8AC3E}">
